--- a/Presentation.pptx
+++ b/Presentation.pptx
@@ -6,9 +6,10 @@
   </p:sldMasterIdLst>
   <p:sldIdLst>
     <p:sldId id="256" r:id="rId2"/>
-    <p:sldId id="257" r:id="rId3"/>
-    <p:sldId id="258" r:id="rId4"/>
-    <p:sldId id="259" r:id="rId5"/>
+    <p:sldId id="260" r:id="rId3"/>
+    <p:sldId id="257" r:id="rId4"/>
+    <p:sldId id="258" r:id="rId5"/>
+    <p:sldId id="259" r:id="rId6"/>
   </p:sldIdLst>
   <p:sldSz cx="12192000" cy="6858000"/>
   <p:notesSz cx="6858000" cy="9144000"/>
@@ -254,7 +255,7 @@
           <a:p>
             <a:fld id="{48A87A34-81AB-432B-8DAE-1953F412C126}" type="datetimeFigureOut">
               <a:rPr lang="en-US" dirty="0"/>
-              <a:t>5/21/22</a:t>
+              <a:t>5/24/22</a:t>
             </a:fld>
             <a:endParaRPr lang="en-US" dirty="0"/>
           </a:p>
@@ -460,7 +461,7 @@
           <a:p>
             <a:fld id="{48A87A34-81AB-432B-8DAE-1953F412C126}" type="datetimeFigureOut">
               <a:rPr lang="en-US" dirty="0"/>
-              <a:t>5/21/22</a:t>
+              <a:t>5/24/22</a:t>
             </a:fld>
             <a:endParaRPr lang="en-US" dirty="0"/>
           </a:p>
@@ -670,7 +671,7 @@
           <a:p>
             <a:fld id="{48A87A34-81AB-432B-8DAE-1953F412C126}" type="datetimeFigureOut">
               <a:rPr lang="en-US" dirty="0"/>
-              <a:t>5/21/22</a:t>
+              <a:t>5/24/22</a:t>
             </a:fld>
             <a:endParaRPr lang="en-US" dirty="0"/>
           </a:p>
@@ -866,7 +867,7 @@
           <a:p>
             <a:fld id="{48A87A34-81AB-432B-8DAE-1953F412C126}" type="datetimeFigureOut">
               <a:rPr lang="en-US" dirty="0"/>
-              <a:t>5/21/22</a:t>
+              <a:t>5/24/22</a:t>
             </a:fld>
             <a:endParaRPr lang="en-US" dirty="0"/>
           </a:p>
@@ -1140,7 +1141,7 @@
           <a:p>
             <a:fld id="{48A87A34-81AB-432B-8DAE-1953F412C126}" type="datetimeFigureOut">
               <a:rPr lang="en-US" dirty="0"/>
-              <a:t>5/21/22</a:t>
+              <a:t>5/24/22</a:t>
             </a:fld>
             <a:endParaRPr lang="en-US" dirty="0"/>
           </a:p>
@@ -1403,7 +1404,7 @@
           <a:p>
             <a:fld id="{48A87A34-81AB-432B-8DAE-1953F412C126}" type="datetimeFigureOut">
               <a:rPr lang="en-US" dirty="0"/>
-              <a:t>5/21/22</a:t>
+              <a:t>5/24/22</a:t>
             </a:fld>
             <a:endParaRPr lang="en-US" dirty="0"/>
           </a:p>
@@ -1814,7 +1815,7 @@
           <a:p>
             <a:fld id="{48A87A34-81AB-432B-8DAE-1953F412C126}" type="datetimeFigureOut">
               <a:rPr lang="en-US" dirty="0"/>
-              <a:t>5/21/22</a:t>
+              <a:t>5/24/22</a:t>
             </a:fld>
             <a:endParaRPr lang="en-US" dirty="0"/>
           </a:p>
@@ -1958,7 +1959,7 @@
           <a:p>
             <a:fld id="{48A87A34-81AB-432B-8DAE-1953F412C126}" type="datetimeFigureOut">
               <a:rPr lang="en-US" dirty="0"/>
-              <a:t>5/21/22</a:t>
+              <a:t>5/24/22</a:t>
             </a:fld>
             <a:endParaRPr lang="en-US" dirty="0"/>
           </a:p>
@@ -2079,7 +2080,7 @@
           <a:p>
             <a:fld id="{48A87A34-81AB-432B-8DAE-1953F412C126}" type="datetimeFigureOut">
               <a:rPr lang="en-US" dirty="0"/>
-              <a:t>5/21/22</a:t>
+              <a:t>5/24/22</a:t>
             </a:fld>
             <a:endParaRPr lang="en-US" dirty="0"/>
           </a:p>
@@ -2325,7 +2326,7 @@
           <a:p>
             <a:fld id="{48A87A34-81AB-432B-8DAE-1953F412C126}" type="datetimeFigureOut">
               <a:rPr lang="en-US" dirty="0"/>
-              <a:t>5/21/22</a:t>
+              <a:t>5/24/22</a:t>
             </a:fld>
             <a:endParaRPr lang="en-US" dirty="0"/>
           </a:p>
@@ -2766,7 +2767,7 @@
             <a:fld id="{48A87A34-81AB-432B-8DAE-1953F412C126}" type="datetimeFigureOut">
               <a:rPr lang="en-US" dirty="0"/>
               <a:pPr/>
-              <a:t>5/21/22</a:t>
+              <a:t>5/24/22</a:t>
             </a:fld>
             <a:endParaRPr lang="en-US" dirty="0"/>
           </a:p>
@@ -3089,7 +3090,7 @@
             <a:fld id="{48A87A34-81AB-432B-8DAE-1953F412C126}" type="datetimeFigureOut">
               <a:rPr lang="en-US" dirty="0"/>
               <a:pPr/>
-              <a:t>5/21/22</a:t>
+              <a:t>5/24/22</a:t>
             </a:fld>
             <a:endParaRPr lang="en-US" dirty="0"/>
           </a:p>
@@ -3667,7 +3668,7 @@
           <p:cNvPr id="2" name="Title 1">
             <a:extLst>
               <a:ext uri="{FF2B5EF4-FFF2-40B4-BE49-F238E27FC236}">
-                <a16:creationId xmlns:a16="http://schemas.microsoft.com/office/drawing/2014/main" id="{618DDEB2-9739-C01B-A580-AA4DE1E5B37C}"/>
+                <a16:creationId xmlns:a16="http://schemas.microsoft.com/office/drawing/2014/main" id="{D374D6FC-2954-C90F-EA92-8C1C6CD13A3A}"/>
               </a:ext>
             </a:extLst>
           </p:cNvPr>
@@ -3685,7 +3686,7 @@
           <a:p>
             <a:r>
               <a:rPr lang="en-US" dirty="0"/>
-              <a:t>What is NX?</a:t>
+              <a:t>Bio</a:t>
             </a:r>
           </a:p>
         </p:txBody>
@@ -3695,7 +3696,7 @@
           <p:cNvPr id="3" name="Content Placeholder 2">
             <a:extLst>
               <a:ext uri="{FF2B5EF4-FFF2-40B4-BE49-F238E27FC236}">
-                <a16:creationId xmlns:a16="http://schemas.microsoft.com/office/drawing/2014/main" id="{7EBF45A9-F966-FBD2-9EF8-3785EEAB9E84}"/>
+                <a16:creationId xmlns:a16="http://schemas.microsoft.com/office/drawing/2014/main" id="{95659FAF-54B4-F298-DDC1-16CF3844BF11}"/>
               </a:ext>
             </a:extLst>
           </p:cNvPr>
@@ -3706,54 +3707,68 @@
             <p:ph idx="1"/>
           </p:nvPr>
         </p:nvSpPr>
-        <p:spPr/>
-        <p:txBody>
-          <a:bodyPr/>
-          <a:lstStyle/>
-          <a:p>
+        <p:spPr>
+          <a:xfrm>
+            <a:off x="2090996" y="2337008"/>
+            <a:ext cx="4005004" cy="2988515"/>
+          </a:xfrm>
+        </p:spPr>
+        <p:txBody>
+          <a:bodyPr/>
+          <a:lstStyle/>
+          <a:p>
+            <a:pPr marL="0" indent="0">
+              <a:buNone/>
+            </a:pPr>
+            <a:r>
+              <a:rPr lang="en-US" dirty="0"/>
+              <a:t>My name is Paul Mojica.  I am a senior software engineer at </a:t>
+            </a:r>
             <a:r>
               <a:rPr lang="en-US" dirty="0" err="1"/>
-              <a:t>Nx</a:t>
-            </a:r>
-            <a:r>
-              <a:rPr lang="en-US" dirty="0"/>
-              <a:t> is a build tool created by the </a:t>
-            </a:r>
-            <a:r>
-              <a:rPr lang="en-US" dirty="0" err="1"/>
-              <a:t>Nrwl</a:t>
-            </a:r>
-            <a:r>
-              <a:rPr lang="en-US" dirty="0"/>
-              <a:t> team.  It provides a prescriptive way to organize </a:t>
-            </a:r>
-            <a:r>
-              <a:rPr lang="en-US" dirty="0" err="1"/>
-              <a:t>monorepos</a:t>
-            </a:r>
-            <a:r>
-              <a:rPr lang="en-US" dirty="0"/>
-              <a:t>.</a:t>
-            </a:r>
-          </a:p>
-          <a:p>
-            <a:r>
-              <a:rPr lang="en-US" dirty="0"/>
-              <a:t>It uses static analysis to determine dependencies between different parts of the application</a:t>
-            </a:r>
-          </a:p>
-          <a:p>
-            <a:r>
-              <a:rPr lang="en-US" dirty="0"/>
-              <a:t>It consists of apps and libs</a:t>
-            </a:r>
-          </a:p>
-        </p:txBody>
-      </p:sp>
+              <a:t>LandGate</a:t>
+            </a:r>
+            <a:r>
+              <a:rPr lang="en-US" dirty="0"/>
+              <a:t>.  I have been developing Angular applications since it was in beta around 2015.  I live in NC with my wife Kirstin and our 2 kids, Owen and Olivia.</a:t>
+            </a:r>
+          </a:p>
+        </p:txBody>
+      </p:sp>
+      <p:pic>
+        <p:nvPicPr>
+          <p:cNvPr id="4" name="Picture 3">
+            <a:extLst>
+              <a:ext uri="{FF2B5EF4-FFF2-40B4-BE49-F238E27FC236}">
+                <a16:creationId xmlns:a16="http://schemas.microsoft.com/office/drawing/2014/main" id="{550C3596-226E-28D3-80DD-DDA46A443A77}"/>
+              </a:ext>
+            </a:extLst>
+          </p:cNvPr>
+          <p:cNvPicPr>
+            <a:picLocks noChangeAspect="1"/>
+          </p:cNvPicPr>
+          <p:nvPr/>
+        </p:nvPicPr>
+        <p:blipFill>
+          <a:blip r:embed="rId2"/>
+          <a:stretch>
+            <a:fillRect/>
+          </a:stretch>
+        </p:blipFill>
+        <p:spPr>
+          <a:xfrm>
+            <a:off x="6970197" y="2015732"/>
+            <a:ext cx="3416641" cy="3450613"/>
+          </a:xfrm>
+          <a:prstGeom prst="rect">
+            <a:avLst/>
+          </a:prstGeom>
+        </p:spPr>
+      </p:pic>
     </p:spTree>
     <p:extLst>
       <p:ext uri="{BB962C8B-B14F-4D97-AF65-F5344CB8AC3E}">
-        <p14:creationId xmlns:p14="http://schemas.microsoft.com/office/powerpoint/2010/main" val="1048744121"/>
+        <p14:creationId xmlns:p14="http://schemas.microsoft.com/office/powerpoint/2010/main" val="3135389566"/>
       </p:ext>
     </p:extLst>
   </p:cSld>
@@ -3785,6 +3800,124 @@
           <p:cNvPr id="2" name="Title 1">
             <a:extLst>
               <a:ext uri="{FF2B5EF4-FFF2-40B4-BE49-F238E27FC236}">
+                <a16:creationId xmlns:a16="http://schemas.microsoft.com/office/drawing/2014/main" id="{618DDEB2-9739-C01B-A580-AA4DE1E5B37C}"/>
+              </a:ext>
+            </a:extLst>
+          </p:cNvPr>
+          <p:cNvSpPr>
+            <a:spLocks noGrp="1"/>
+          </p:cNvSpPr>
+          <p:nvPr>
+            <p:ph type="title"/>
+          </p:nvPr>
+        </p:nvSpPr>
+        <p:spPr/>
+        <p:txBody>
+          <a:bodyPr/>
+          <a:lstStyle/>
+          <a:p>
+            <a:r>
+              <a:rPr lang="en-US" dirty="0"/>
+              <a:t>What is NX?</a:t>
+            </a:r>
+          </a:p>
+        </p:txBody>
+      </p:sp>
+      <p:sp>
+        <p:nvSpPr>
+          <p:cNvPr id="3" name="Content Placeholder 2">
+            <a:extLst>
+              <a:ext uri="{FF2B5EF4-FFF2-40B4-BE49-F238E27FC236}">
+                <a16:creationId xmlns:a16="http://schemas.microsoft.com/office/drawing/2014/main" id="{7EBF45A9-F966-FBD2-9EF8-3785EEAB9E84}"/>
+              </a:ext>
+            </a:extLst>
+          </p:cNvPr>
+          <p:cNvSpPr>
+            <a:spLocks noGrp="1"/>
+          </p:cNvSpPr>
+          <p:nvPr>
+            <p:ph idx="1"/>
+          </p:nvPr>
+        </p:nvSpPr>
+        <p:spPr/>
+        <p:txBody>
+          <a:bodyPr/>
+          <a:lstStyle/>
+          <a:p>
+            <a:r>
+              <a:rPr lang="en-US" dirty="0" err="1"/>
+              <a:t>Nx</a:t>
+            </a:r>
+            <a:r>
+              <a:rPr lang="en-US" dirty="0"/>
+              <a:t> is a build tool created by the </a:t>
+            </a:r>
+            <a:r>
+              <a:rPr lang="en-US" dirty="0" err="1"/>
+              <a:t>Nrwl</a:t>
+            </a:r>
+            <a:r>
+              <a:rPr lang="en-US" dirty="0"/>
+              <a:t> team.  It provides a prescriptive way to organize </a:t>
+            </a:r>
+            <a:r>
+              <a:rPr lang="en-US" dirty="0" err="1"/>
+              <a:t>monorepos</a:t>
+            </a:r>
+            <a:r>
+              <a:rPr lang="en-US" dirty="0"/>
+              <a:t>.</a:t>
+            </a:r>
+          </a:p>
+          <a:p>
+            <a:r>
+              <a:rPr lang="en-US" dirty="0"/>
+              <a:t>It uses static analysis to determine dependencies between different parts of the application</a:t>
+            </a:r>
+          </a:p>
+          <a:p>
+            <a:r>
+              <a:rPr lang="en-US" dirty="0"/>
+              <a:t>The scaffolding consists of apps and libs</a:t>
+            </a:r>
+          </a:p>
+        </p:txBody>
+      </p:sp>
+    </p:spTree>
+    <p:extLst>
+      <p:ext uri="{BB962C8B-B14F-4D97-AF65-F5344CB8AC3E}">
+        <p14:creationId xmlns:p14="http://schemas.microsoft.com/office/powerpoint/2010/main" val="1048744121"/>
+      </p:ext>
+    </p:extLst>
+  </p:cSld>
+  <p:clrMapOvr>
+    <a:masterClrMapping/>
+  </p:clrMapOvr>
+</p:sld>
+</file>
+
+<file path=ppt/slides/slide4.xml><?xml version="1.0" encoding="utf-8"?>
+<p:sld xmlns:a="http://schemas.openxmlformats.org/drawingml/2006/main" xmlns:r="http://schemas.openxmlformats.org/officeDocument/2006/relationships" xmlns:p="http://schemas.openxmlformats.org/presentationml/2006/main">
+  <p:cSld>
+    <p:spTree>
+      <p:nvGrpSpPr>
+        <p:cNvPr id="1" name=""/>
+        <p:cNvGrpSpPr/>
+        <p:nvPr/>
+      </p:nvGrpSpPr>
+      <p:grpSpPr>
+        <a:xfrm>
+          <a:off x="0" y="0"/>
+          <a:ext cx="0" cy="0"/>
+          <a:chOff x="0" y="0"/>
+          <a:chExt cx="0" cy="0"/>
+        </a:xfrm>
+      </p:grpSpPr>
+      <p:sp>
+        <p:nvSpPr>
+          <p:cNvPr id="2" name="Title 1">
+            <a:extLst>
+              <a:ext uri="{FF2B5EF4-FFF2-40B4-BE49-F238E27FC236}">
                 <a16:creationId xmlns:a16="http://schemas.microsoft.com/office/drawing/2014/main" id="{026325D2-F8C4-555A-E94C-7C0802AE1853}"/>
               </a:ext>
             </a:extLst>
@@ -3920,7 +4053,7 @@
 </p:sld>
 </file>
 
-<file path=ppt/slides/slide4.xml><?xml version="1.0" encoding="utf-8"?>
+<file path=ppt/slides/slide5.xml><?xml version="1.0" encoding="utf-8"?>
 <p:sld xmlns:a="http://schemas.openxmlformats.org/drawingml/2006/main" xmlns:r="http://schemas.openxmlformats.org/officeDocument/2006/relationships" xmlns:p="http://schemas.openxmlformats.org/presentationml/2006/main">
   <p:cSld>
     <p:spTree>
